--- a/Natural Gas Price.pptx
+++ b/Natural Gas Price.pptx
@@ -22081,7 +22081,7 @@
         </p:spPr>
         <p:txBody>
           <a:bodyPr anchor="ctr">
-            <a:normAutofit/>
+            <a:normAutofit fontScale="77500" lnSpcReduction="20000"/>
           </a:bodyPr>
           <a:lstStyle/>
           <a:p>
@@ -22091,13 +22091,32 @@
             </a:pPr>
             <a:r>
               <a:rPr lang="en-US" dirty="0"/>
-              <a:t>The limitations with </a:t>
+              <a:t>Tree based models while useful for predictions outside of Natural Resource Markets, they are limited in the “</a:t>
+            </a:r>
+            <a:r>
+              <a:rPr lang="en-US" dirty="0" err="1"/>
+              <a:t>Explainability</a:t>
+            </a:r>
+            <a:r>
+              <a:rPr lang="en-US" dirty="0"/>
+              <a:t>” factor within Natural Resource Markets. Tree Based models add more complexity to an already </a:t>
             </a:r>
             <a:r>
               <a:rPr lang="en-US"/>
-              <a:t>tree based models</a:t>
+              <a:t>complex market. </a:t>
             </a:r>
-            <a:endParaRPr lang="en-US" dirty="0"/>
+            <a:r>
+              <a:rPr lang="en-US" dirty="0"/>
+              <a:t>Stakeholders make it a requirement that Quants, Traders, and Risk Managers explain the what is causing such large capital deployments. Stakeholder think in terms of ROI/</a:t>
+            </a:r>
+            <a:r>
+              <a:rPr lang="en-US" dirty="0" err="1"/>
+              <a:t>PnL</a:t>
+            </a:r>
+            <a:r>
+              <a:rPr lang="en-US" dirty="0"/>
+              <a:t>, and to justify large amounts of capital to be deployed on moments notice a Linear Regression Models does the job of showing this justification.</a:t>
+            </a:r>
           </a:p>
         </p:txBody>
       </p:sp>
